--- a/GAF_distribute_computing/GA_distribute.pptx
+++ b/GAF_distribute_computing/GA_distribute.pptx
@@ -4,8 +4,12 @@
   <p:sldMasterIdLst>
     <p:sldMasterId id="2147483648" r:id="rId1"/>
   </p:sldMasterIdLst>
+  <p:notesMasterIdLst>
+    <p:notesMasterId r:id="rId4"/>
+  </p:notesMasterIdLst>
   <p:sldIdLst>
     <p:sldId id="256" r:id="rId2"/>
+    <p:sldId id="257" r:id="rId3"/>
   </p:sldIdLst>
   <p:sldSz cx="12192000" cy="6858000"/>
   <p:notesSz cx="6858000" cy="9144000"/>
@@ -104,7 +108,446 @@
       </a:defRPr>
     </a:lvl9pPr>
   </p:defaultTextStyle>
+  <p:extLst>
+    <p:ext uri="{EFAFB233-063F-42B5-8137-9DF3F51BA10A}">
+      <p15:sldGuideLst xmlns:p15="http://schemas.microsoft.com/office/powerpoint/2012/main"/>
+    </p:ext>
+  </p:extLst>
 </p:presentation>
+</file>
+
+<file path=ppt/notesMasters/notesMaster1.xml><?xml version="1.0" encoding="utf-8"?>
+<p:notesMaster xmlns:a="http://schemas.openxmlformats.org/drawingml/2006/main" xmlns:r="http://schemas.openxmlformats.org/officeDocument/2006/relationships" xmlns:p="http://schemas.openxmlformats.org/presentationml/2006/main">
+  <p:cSld>
+    <p:bg>
+      <p:bgRef idx="1001">
+        <a:schemeClr val="bg1"/>
+      </p:bgRef>
+    </p:bg>
+    <p:spTree>
+      <p:nvGrpSpPr>
+        <p:cNvPr id="1" name=""/>
+        <p:cNvGrpSpPr/>
+        <p:nvPr/>
+      </p:nvGrpSpPr>
+      <p:grpSpPr>
+        <a:xfrm>
+          <a:off x="0" y="0"/>
+          <a:ext cx="0" cy="0"/>
+          <a:chOff x="0" y="0"/>
+          <a:chExt cx="0" cy="0"/>
+        </a:xfrm>
+      </p:grpSpPr>
+      <p:sp>
+        <p:nvSpPr>
+          <p:cNvPr id="2" name="Header Placeholder 1"/>
+          <p:cNvSpPr>
+            <a:spLocks noGrp="1"/>
+          </p:cNvSpPr>
+          <p:nvPr>
+            <p:ph type="hdr" sz="quarter"/>
+          </p:nvPr>
+        </p:nvSpPr>
+        <p:spPr>
+          <a:xfrm>
+            <a:off x="0" y="0"/>
+            <a:ext cx="2971800" cy="458788"/>
+          </a:xfrm>
+          <a:prstGeom prst="rect">
+            <a:avLst/>
+          </a:prstGeom>
+        </p:spPr>
+        <p:txBody>
+          <a:bodyPr vert="horz" lIns="91440" tIns="45720" rIns="91440" bIns="45720" rtlCol="0"/>
+          <a:lstStyle>
+            <a:lvl1pPr algn="l">
+              <a:defRPr sz="1200"/>
+            </a:lvl1pPr>
+          </a:lstStyle>
+          <a:p>
+            <a:endParaRPr lang="en-US"/>
+          </a:p>
+        </p:txBody>
+      </p:sp>
+      <p:sp>
+        <p:nvSpPr>
+          <p:cNvPr id="3" name="Date Placeholder 2"/>
+          <p:cNvSpPr>
+            <a:spLocks noGrp="1"/>
+          </p:cNvSpPr>
+          <p:nvPr>
+            <p:ph type="dt" idx="1"/>
+          </p:nvPr>
+        </p:nvSpPr>
+        <p:spPr>
+          <a:xfrm>
+            <a:off x="3884613" y="0"/>
+            <a:ext cx="2971800" cy="458788"/>
+          </a:xfrm>
+          <a:prstGeom prst="rect">
+            <a:avLst/>
+          </a:prstGeom>
+        </p:spPr>
+        <p:txBody>
+          <a:bodyPr vert="horz" lIns="91440" tIns="45720" rIns="91440" bIns="45720" rtlCol="0"/>
+          <a:lstStyle>
+            <a:lvl1pPr algn="r">
+              <a:defRPr sz="1200"/>
+            </a:lvl1pPr>
+          </a:lstStyle>
+          <a:p>
+            <a:fld id="{126995DC-24C7-4B05-86A5-3B09B3FE6F6F}" type="datetimeFigureOut">
+              <a:rPr lang="en-US" smtClean="0"/>
+              <a:t>12/7/2016</a:t>
+            </a:fld>
+            <a:endParaRPr lang="en-US"/>
+          </a:p>
+        </p:txBody>
+      </p:sp>
+      <p:sp>
+        <p:nvSpPr>
+          <p:cNvPr id="4" name="Slide Image Placeholder 3"/>
+          <p:cNvSpPr>
+            <a:spLocks noGrp="1" noRot="1" noChangeAspect="1"/>
+          </p:cNvSpPr>
+          <p:nvPr>
+            <p:ph type="sldImg" idx="2"/>
+          </p:nvPr>
+        </p:nvSpPr>
+        <p:spPr>
+          <a:xfrm>
+            <a:off x="685800" y="1143000"/>
+            <a:ext cx="5486400" cy="3086100"/>
+          </a:xfrm>
+          <a:prstGeom prst="rect">
+            <a:avLst/>
+          </a:prstGeom>
+          <a:noFill/>
+          <a:ln w="12700">
+            <a:solidFill>
+              <a:prstClr val="black"/>
+            </a:solidFill>
+          </a:ln>
+        </p:spPr>
+        <p:txBody>
+          <a:bodyPr vert="horz" lIns="91440" tIns="45720" rIns="91440" bIns="45720" rtlCol="0" anchor="ctr"/>
+          <a:lstStyle/>
+          <a:p>
+            <a:endParaRPr lang="en-US"/>
+          </a:p>
+        </p:txBody>
+      </p:sp>
+      <p:sp>
+        <p:nvSpPr>
+          <p:cNvPr id="5" name="Notes Placeholder 4"/>
+          <p:cNvSpPr>
+            <a:spLocks noGrp="1"/>
+          </p:cNvSpPr>
+          <p:nvPr>
+            <p:ph type="body" sz="quarter" idx="3"/>
+          </p:nvPr>
+        </p:nvSpPr>
+        <p:spPr>
+          <a:xfrm>
+            <a:off x="685800" y="4400550"/>
+            <a:ext cx="5486400" cy="3600450"/>
+          </a:xfrm>
+          <a:prstGeom prst="rect">
+            <a:avLst/>
+          </a:prstGeom>
+        </p:spPr>
+        <p:txBody>
+          <a:bodyPr vert="horz" lIns="91440" tIns="45720" rIns="91440" bIns="45720" rtlCol="0"/>
+          <a:lstStyle/>
+          <a:p>
+            <a:pPr lvl="0"/>
+            <a:r>
+              <a:rPr lang="en-US" smtClean="0"/>
+              <a:t>Edit Master text styles</a:t>
+            </a:r>
+          </a:p>
+          <a:p>
+            <a:pPr lvl="1"/>
+            <a:r>
+              <a:rPr lang="en-US" smtClean="0"/>
+              <a:t>Second level</a:t>
+            </a:r>
+          </a:p>
+          <a:p>
+            <a:pPr lvl="2"/>
+            <a:r>
+              <a:rPr lang="en-US" smtClean="0"/>
+              <a:t>Third level</a:t>
+            </a:r>
+          </a:p>
+          <a:p>
+            <a:pPr lvl="3"/>
+            <a:r>
+              <a:rPr lang="en-US" smtClean="0"/>
+              <a:t>Fourth level</a:t>
+            </a:r>
+          </a:p>
+          <a:p>
+            <a:pPr lvl="4"/>
+            <a:r>
+              <a:rPr lang="en-US" smtClean="0"/>
+              <a:t>Fifth level</a:t>
+            </a:r>
+            <a:endParaRPr lang="en-US"/>
+          </a:p>
+        </p:txBody>
+      </p:sp>
+      <p:sp>
+        <p:nvSpPr>
+          <p:cNvPr id="6" name="Footer Placeholder 5"/>
+          <p:cNvSpPr>
+            <a:spLocks noGrp="1"/>
+          </p:cNvSpPr>
+          <p:nvPr>
+            <p:ph type="ftr" sz="quarter" idx="4"/>
+          </p:nvPr>
+        </p:nvSpPr>
+        <p:spPr>
+          <a:xfrm>
+            <a:off x="0" y="8685213"/>
+            <a:ext cx="2971800" cy="458787"/>
+          </a:xfrm>
+          <a:prstGeom prst="rect">
+            <a:avLst/>
+          </a:prstGeom>
+        </p:spPr>
+        <p:txBody>
+          <a:bodyPr vert="horz" lIns="91440" tIns="45720" rIns="91440" bIns="45720" rtlCol="0" anchor="b"/>
+          <a:lstStyle>
+            <a:lvl1pPr algn="l">
+              <a:defRPr sz="1200"/>
+            </a:lvl1pPr>
+          </a:lstStyle>
+          <a:p>
+            <a:endParaRPr lang="en-US"/>
+          </a:p>
+        </p:txBody>
+      </p:sp>
+      <p:sp>
+        <p:nvSpPr>
+          <p:cNvPr id="7" name="Slide Number Placeholder 6"/>
+          <p:cNvSpPr>
+            <a:spLocks noGrp="1"/>
+          </p:cNvSpPr>
+          <p:nvPr>
+            <p:ph type="sldNum" sz="quarter" idx="5"/>
+          </p:nvPr>
+        </p:nvSpPr>
+        <p:spPr>
+          <a:xfrm>
+            <a:off x="3884613" y="8685213"/>
+            <a:ext cx="2971800" cy="458787"/>
+          </a:xfrm>
+          <a:prstGeom prst="rect">
+            <a:avLst/>
+          </a:prstGeom>
+        </p:spPr>
+        <p:txBody>
+          <a:bodyPr vert="horz" lIns="91440" tIns="45720" rIns="91440" bIns="45720" rtlCol="0" anchor="b"/>
+          <a:lstStyle>
+            <a:lvl1pPr algn="r">
+              <a:defRPr sz="1200"/>
+            </a:lvl1pPr>
+          </a:lstStyle>
+          <a:p>
+            <a:fld id="{7A21533E-6700-4016-A225-43FAD1A67C55}" type="slidenum">
+              <a:rPr lang="en-US" smtClean="0"/>
+              <a:t>‹#›</a:t>
+            </a:fld>
+            <a:endParaRPr lang="en-US"/>
+          </a:p>
+        </p:txBody>
+      </p:sp>
+    </p:spTree>
+    <p:extLst>
+      <p:ext uri="{BB962C8B-B14F-4D97-AF65-F5344CB8AC3E}">
+        <p14:creationId xmlns:p14="http://schemas.microsoft.com/office/powerpoint/2010/main" val="38465771"/>
+      </p:ext>
+    </p:extLst>
+  </p:cSld>
+  <p:clrMap bg1="lt1" tx1="dk1" bg2="lt2" tx2="dk2" accent1="accent1" accent2="accent2" accent3="accent3" accent4="accent4" accent5="accent5" accent6="accent6" hlink="hlink" folHlink="folHlink"/>
+  <p:notesStyle>
+    <a:lvl1pPr marL="0" algn="l" defTabSz="914400" rtl="0" eaLnBrk="1" latinLnBrk="0" hangingPunct="1">
+      <a:defRPr sz="1200" kern="1200">
+        <a:solidFill>
+          <a:schemeClr val="tx1"/>
+        </a:solidFill>
+        <a:latin typeface="+mn-lt"/>
+        <a:ea typeface="+mn-ea"/>
+        <a:cs typeface="+mn-cs"/>
+      </a:defRPr>
+    </a:lvl1pPr>
+    <a:lvl2pPr marL="457200" algn="l" defTabSz="914400" rtl="0" eaLnBrk="1" latinLnBrk="0" hangingPunct="1">
+      <a:defRPr sz="1200" kern="1200">
+        <a:solidFill>
+          <a:schemeClr val="tx1"/>
+        </a:solidFill>
+        <a:latin typeface="+mn-lt"/>
+        <a:ea typeface="+mn-ea"/>
+        <a:cs typeface="+mn-cs"/>
+      </a:defRPr>
+    </a:lvl2pPr>
+    <a:lvl3pPr marL="914400" algn="l" defTabSz="914400" rtl="0" eaLnBrk="1" latinLnBrk="0" hangingPunct="1">
+      <a:defRPr sz="1200" kern="1200">
+        <a:solidFill>
+          <a:schemeClr val="tx1"/>
+        </a:solidFill>
+        <a:latin typeface="+mn-lt"/>
+        <a:ea typeface="+mn-ea"/>
+        <a:cs typeface="+mn-cs"/>
+      </a:defRPr>
+    </a:lvl3pPr>
+    <a:lvl4pPr marL="1371600" algn="l" defTabSz="914400" rtl="0" eaLnBrk="1" latinLnBrk="0" hangingPunct="1">
+      <a:defRPr sz="1200" kern="1200">
+        <a:solidFill>
+          <a:schemeClr val="tx1"/>
+        </a:solidFill>
+        <a:latin typeface="+mn-lt"/>
+        <a:ea typeface="+mn-ea"/>
+        <a:cs typeface="+mn-cs"/>
+      </a:defRPr>
+    </a:lvl4pPr>
+    <a:lvl5pPr marL="1828800" algn="l" defTabSz="914400" rtl="0" eaLnBrk="1" latinLnBrk="0" hangingPunct="1">
+      <a:defRPr sz="1200" kern="1200">
+        <a:solidFill>
+          <a:schemeClr val="tx1"/>
+        </a:solidFill>
+        <a:latin typeface="+mn-lt"/>
+        <a:ea typeface="+mn-ea"/>
+        <a:cs typeface="+mn-cs"/>
+      </a:defRPr>
+    </a:lvl5pPr>
+    <a:lvl6pPr marL="2286000" algn="l" defTabSz="914400" rtl="0" eaLnBrk="1" latinLnBrk="0" hangingPunct="1">
+      <a:defRPr sz="1200" kern="1200">
+        <a:solidFill>
+          <a:schemeClr val="tx1"/>
+        </a:solidFill>
+        <a:latin typeface="+mn-lt"/>
+        <a:ea typeface="+mn-ea"/>
+        <a:cs typeface="+mn-cs"/>
+      </a:defRPr>
+    </a:lvl6pPr>
+    <a:lvl7pPr marL="2743200" algn="l" defTabSz="914400" rtl="0" eaLnBrk="1" latinLnBrk="0" hangingPunct="1">
+      <a:defRPr sz="1200" kern="1200">
+        <a:solidFill>
+          <a:schemeClr val="tx1"/>
+        </a:solidFill>
+        <a:latin typeface="+mn-lt"/>
+        <a:ea typeface="+mn-ea"/>
+        <a:cs typeface="+mn-cs"/>
+      </a:defRPr>
+    </a:lvl7pPr>
+    <a:lvl8pPr marL="3200400" algn="l" defTabSz="914400" rtl="0" eaLnBrk="1" latinLnBrk="0" hangingPunct="1">
+      <a:defRPr sz="1200" kern="1200">
+        <a:solidFill>
+          <a:schemeClr val="tx1"/>
+        </a:solidFill>
+        <a:latin typeface="+mn-lt"/>
+        <a:ea typeface="+mn-ea"/>
+        <a:cs typeface="+mn-cs"/>
+      </a:defRPr>
+    </a:lvl8pPr>
+    <a:lvl9pPr marL="3657600" algn="l" defTabSz="914400" rtl="0" eaLnBrk="1" latinLnBrk="0" hangingPunct="1">
+      <a:defRPr sz="1200" kern="1200">
+        <a:solidFill>
+          <a:schemeClr val="tx1"/>
+        </a:solidFill>
+        <a:latin typeface="+mn-lt"/>
+        <a:ea typeface="+mn-ea"/>
+        <a:cs typeface="+mn-cs"/>
+      </a:defRPr>
+    </a:lvl9pPr>
+  </p:notesStyle>
+</p:notesMaster>
+</file>
+
+<file path=ppt/notesSlides/notesSlide1.xml><?xml version="1.0" encoding="utf-8"?>
+<p:notes xmlns:a="http://schemas.openxmlformats.org/drawingml/2006/main" xmlns:r="http://schemas.openxmlformats.org/officeDocument/2006/relationships" xmlns:p="http://schemas.openxmlformats.org/presentationml/2006/main">
+  <p:cSld>
+    <p:spTree>
+      <p:nvGrpSpPr>
+        <p:cNvPr id="1" name=""/>
+        <p:cNvGrpSpPr/>
+        <p:nvPr/>
+      </p:nvGrpSpPr>
+      <p:grpSpPr>
+        <a:xfrm>
+          <a:off x="0" y="0"/>
+          <a:ext cx="0" cy="0"/>
+          <a:chOff x="0" y="0"/>
+          <a:chExt cx="0" cy="0"/>
+        </a:xfrm>
+      </p:grpSpPr>
+      <p:sp>
+        <p:nvSpPr>
+          <p:cNvPr id="2" name="Slide Image Placeholder 1"/>
+          <p:cNvSpPr>
+            <a:spLocks noGrp="1" noRot="1" noChangeAspect="1"/>
+          </p:cNvSpPr>
+          <p:nvPr>
+            <p:ph type="sldImg"/>
+          </p:nvPr>
+        </p:nvSpPr>
+        <p:spPr/>
+      </p:sp>
+      <p:sp>
+        <p:nvSpPr>
+          <p:cNvPr id="3" name="Notes Placeholder 2"/>
+          <p:cNvSpPr>
+            <a:spLocks noGrp="1"/>
+          </p:cNvSpPr>
+          <p:nvPr>
+            <p:ph type="body" idx="1"/>
+          </p:nvPr>
+        </p:nvSpPr>
+        <p:spPr/>
+        <p:txBody>
+          <a:bodyPr/>
+          <a:lstStyle/>
+          <a:p>
+            <a:endParaRPr lang="en-US" dirty="0"/>
+          </a:p>
+        </p:txBody>
+      </p:sp>
+      <p:sp>
+        <p:nvSpPr>
+          <p:cNvPr id="4" name="Slide Number Placeholder 3"/>
+          <p:cNvSpPr>
+            <a:spLocks noGrp="1"/>
+          </p:cNvSpPr>
+          <p:nvPr>
+            <p:ph type="sldNum" sz="quarter" idx="10"/>
+          </p:nvPr>
+        </p:nvSpPr>
+        <p:spPr/>
+        <p:txBody>
+          <a:bodyPr/>
+          <a:lstStyle/>
+          <a:p>
+            <a:fld id="{7A21533E-6700-4016-A225-43FAD1A67C55}" type="slidenum">
+              <a:rPr lang="en-US" smtClean="0"/>
+              <a:t>2</a:t>
+            </a:fld>
+            <a:endParaRPr lang="en-US"/>
+          </a:p>
+        </p:txBody>
+      </p:sp>
+    </p:spTree>
+    <p:extLst>
+      <p:ext uri="{BB962C8B-B14F-4D97-AF65-F5344CB8AC3E}">
+        <p14:creationId xmlns:p14="http://schemas.microsoft.com/office/powerpoint/2010/main" val="3852888788"/>
+      </p:ext>
+    </p:extLst>
+  </p:cSld>
+  <p:clrMapOvr>
+    <a:masterClrMapping/>
+  </p:clrMapOvr>
+</p:notes>
 </file>
 
 <file path=ppt/slideLayouts/slideLayout1.xml><?xml version="1.0" encoding="utf-8"?>
@@ -3338,6 +3781,1513 @@
 </p:sld>
 </file>
 
+<file path=ppt/slides/slide2.xml><?xml version="1.0" encoding="utf-8"?>
+<p:sld xmlns:a="http://schemas.openxmlformats.org/drawingml/2006/main" xmlns:r="http://schemas.openxmlformats.org/officeDocument/2006/relationships" xmlns:p="http://schemas.openxmlformats.org/presentationml/2006/main">
+  <p:cSld>
+    <p:spTree>
+      <p:nvGrpSpPr>
+        <p:cNvPr id="1" name=""/>
+        <p:cNvGrpSpPr/>
+        <p:nvPr/>
+      </p:nvGrpSpPr>
+      <p:grpSpPr>
+        <a:xfrm>
+          <a:off x="0" y="0"/>
+          <a:ext cx="0" cy="0"/>
+          <a:chOff x="0" y="0"/>
+          <a:chExt cx="0" cy="0"/>
+        </a:xfrm>
+      </p:grpSpPr>
+      <p:grpSp>
+        <p:nvGrpSpPr>
+          <p:cNvPr id="59" name="Group 58"/>
+          <p:cNvGrpSpPr/>
+          <p:nvPr/>
+        </p:nvGrpSpPr>
+        <p:grpSpPr>
+          <a:xfrm>
+            <a:off x="1188873" y="1016000"/>
+            <a:ext cx="9037838" cy="5024582"/>
+            <a:chOff x="810182" y="1006764"/>
+            <a:chExt cx="9037838" cy="5024582"/>
+          </a:xfrm>
+        </p:grpSpPr>
+        <p:sp>
+          <p:nvSpPr>
+            <p:cNvPr id="8" name="Rectangle 7"/>
+            <p:cNvSpPr/>
+            <p:nvPr/>
+          </p:nvSpPr>
+          <p:spPr>
+            <a:xfrm>
+              <a:off x="2424101" y="4293754"/>
+              <a:ext cx="6599826" cy="1737592"/>
+            </a:xfrm>
+            <a:prstGeom prst="rect">
+              <a:avLst/>
+            </a:prstGeom>
+            <a:noFill/>
+            <a:ln w="38100"/>
+          </p:spPr>
+          <p:style>
+            <a:lnRef idx="2">
+              <a:schemeClr val="accent1">
+                <a:shade val="50000"/>
+              </a:schemeClr>
+            </a:lnRef>
+            <a:fillRef idx="1">
+              <a:schemeClr val="accent1"/>
+            </a:fillRef>
+            <a:effectRef idx="0">
+              <a:schemeClr val="accent1"/>
+            </a:effectRef>
+            <a:fontRef idx="minor">
+              <a:schemeClr val="lt1"/>
+            </a:fontRef>
+          </p:style>
+          <p:txBody>
+            <a:bodyPr rtlCol="0" anchor="ctr"/>
+            <a:lstStyle/>
+            <a:p>
+              <a:pPr algn="ctr"/>
+              <a:endParaRPr lang="en-US"/>
+            </a:p>
+          </p:txBody>
+        </p:sp>
+        <p:sp>
+          <p:nvSpPr>
+            <p:cNvPr id="4" name="Flowchart: Off-page Connector 3"/>
+            <p:cNvSpPr/>
+            <p:nvPr/>
+          </p:nvSpPr>
+          <p:spPr>
+            <a:xfrm>
+              <a:off x="2664069" y="4563208"/>
+              <a:ext cx="1099039" cy="685800"/>
+            </a:xfrm>
+            <a:prstGeom prst="flowChartOffpageConnector">
+              <a:avLst/>
+            </a:prstGeom>
+          </p:spPr>
+          <p:style>
+            <a:lnRef idx="0">
+              <a:schemeClr val="accent1"/>
+            </a:lnRef>
+            <a:fillRef idx="3">
+              <a:schemeClr val="accent1"/>
+            </a:fillRef>
+            <a:effectRef idx="3">
+              <a:schemeClr val="accent1"/>
+            </a:effectRef>
+            <a:fontRef idx="minor">
+              <a:schemeClr val="lt1"/>
+            </a:fontRef>
+          </p:style>
+          <p:txBody>
+            <a:bodyPr rtlCol="0" anchor="ctr"/>
+            <a:lstStyle/>
+            <a:p>
+              <a:pPr algn="ctr"/>
+              <a:endParaRPr lang="en-US"/>
+            </a:p>
+          </p:txBody>
+        </p:sp>
+        <p:sp>
+          <p:nvSpPr>
+            <p:cNvPr id="5" name="Flowchart: Off-page Connector 4"/>
+            <p:cNvSpPr/>
+            <p:nvPr/>
+          </p:nvSpPr>
+          <p:spPr>
+            <a:xfrm>
+              <a:off x="3941884" y="4563208"/>
+              <a:ext cx="1099039" cy="685800"/>
+            </a:xfrm>
+            <a:prstGeom prst="flowChartOffpageConnector">
+              <a:avLst/>
+            </a:prstGeom>
+          </p:spPr>
+          <p:style>
+            <a:lnRef idx="0">
+              <a:schemeClr val="accent1"/>
+            </a:lnRef>
+            <a:fillRef idx="3">
+              <a:schemeClr val="accent1"/>
+            </a:fillRef>
+            <a:effectRef idx="3">
+              <a:schemeClr val="accent1"/>
+            </a:effectRef>
+            <a:fontRef idx="minor">
+              <a:schemeClr val="lt1"/>
+            </a:fontRef>
+          </p:style>
+          <p:txBody>
+            <a:bodyPr rtlCol="0" anchor="ctr"/>
+            <a:lstStyle/>
+            <a:p>
+              <a:pPr algn="ctr"/>
+              <a:endParaRPr lang="en-US"/>
+            </a:p>
+          </p:txBody>
+        </p:sp>
+        <p:sp>
+          <p:nvSpPr>
+            <p:cNvPr id="6" name="Flowchart: Off-page Connector 5"/>
+            <p:cNvSpPr/>
+            <p:nvPr/>
+          </p:nvSpPr>
+          <p:spPr>
+            <a:xfrm>
+              <a:off x="5219699" y="4563208"/>
+              <a:ext cx="1099039" cy="685800"/>
+            </a:xfrm>
+            <a:prstGeom prst="flowChartOffpageConnector">
+              <a:avLst/>
+            </a:prstGeom>
+          </p:spPr>
+          <p:style>
+            <a:lnRef idx="0">
+              <a:schemeClr val="accent1"/>
+            </a:lnRef>
+            <a:fillRef idx="3">
+              <a:schemeClr val="accent1"/>
+            </a:fillRef>
+            <a:effectRef idx="3">
+              <a:schemeClr val="accent1"/>
+            </a:effectRef>
+            <a:fontRef idx="minor">
+              <a:schemeClr val="lt1"/>
+            </a:fontRef>
+          </p:style>
+          <p:txBody>
+            <a:bodyPr rtlCol="0" anchor="ctr"/>
+            <a:lstStyle/>
+            <a:p>
+              <a:pPr algn="ctr"/>
+              <a:endParaRPr lang="en-US"/>
+            </a:p>
+          </p:txBody>
+        </p:sp>
+        <p:sp>
+          <p:nvSpPr>
+            <p:cNvPr id="7" name="Flowchart: Off-page Connector 6"/>
+            <p:cNvSpPr/>
+            <p:nvPr/>
+          </p:nvSpPr>
+          <p:spPr>
+            <a:xfrm>
+              <a:off x="6497514" y="4563208"/>
+              <a:ext cx="1099039" cy="685800"/>
+            </a:xfrm>
+            <a:prstGeom prst="flowChartOffpageConnector">
+              <a:avLst/>
+            </a:prstGeom>
+          </p:spPr>
+          <p:style>
+            <a:lnRef idx="0">
+              <a:schemeClr val="accent1"/>
+            </a:lnRef>
+            <a:fillRef idx="3">
+              <a:schemeClr val="accent1"/>
+            </a:fillRef>
+            <a:effectRef idx="3">
+              <a:schemeClr val="accent1"/>
+            </a:effectRef>
+            <a:fontRef idx="minor">
+              <a:schemeClr val="lt1"/>
+            </a:fontRef>
+          </p:style>
+          <p:txBody>
+            <a:bodyPr rtlCol="0" anchor="ctr"/>
+            <a:lstStyle/>
+            <a:p>
+              <a:pPr algn="ctr"/>
+              <a:endParaRPr lang="en-US"/>
+            </a:p>
+          </p:txBody>
+        </p:sp>
+        <p:sp>
+          <p:nvSpPr>
+            <p:cNvPr id="9" name="TextBox 8"/>
+            <p:cNvSpPr txBox="1"/>
+            <p:nvPr/>
+          </p:nvSpPr>
+          <p:spPr>
+            <a:xfrm>
+              <a:off x="810182" y="4906108"/>
+              <a:ext cx="1493935" cy="369332"/>
+            </a:xfrm>
+            <a:prstGeom prst="rect">
+              <a:avLst/>
+            </a:prstGeom>
+            <a:noFill/>
+          </p:spPr>
+          <p:txBody>
+            <a:bodyPr wrap="none" rtlCol="0">
+              <a:spAutoFit/>
+            </a:bodyPr>
+            <a:lstStyle/>
+            <a:p>
+              <a:r>
+                <a:rPr lang="en-US" dirty="0" smtClean="0"/>
+                <a:t>Server Cluster</a:t>
+              </a:r>
+              <a:endParaRPr lang="en-US" dirty="0"/>
+            </a:p>
+          </p:txBody>
+        </p:sp>
+        <p:sp>
+          <p:nvSpPr>
+            <p:cNvPr id="10" name="Flowchart: Connector 9"/>
+            <p:cNvSpPr/>
+            <p:nvPr/>
+          </p:nvSpPr>
+          <p:spPr>
+            <a:xfrm flipH="1">
+              <a:off x="8446921" y="4739854"/>
+              <a:ext cx="157020" cy="166254"/>
+            </a:xfrm>
+            <a:prstGeom prst="flowChartConnector">
+              <a:avLst/>
+            </a:prstGeom>
+          </p:spPr>
+          <p:style>
+            <a:lnRef idx="0">
+              <a:schemeClr val="accent1"/>
+            </a:lnRef>
+            <a:fillRef idx="3">
+              <a:schemeClr val="accent1"/>
+            </a:fillRef>
+            <a:effectRef idx="3">
+              <a:schemeClr val="accent1"/>
+            </a:effectRef>
+            <a:fontRef idx="minor">
+              <a:schemeClr val="lt1"/>
+            </a:fontRef>
+          </p:style>
+          <p:txBody>
+            <a:bodyPr rtlCol="0" anchor="ctr"/>
+            <a:lstStyle/>
+            <a:p>
+              <a:pPr algn="ctr"/>
+              <a:endParaRPr lang="en-US"/>
+            </a:p>
+          </p:txBody>
+        </p:sp>
+        <p:sp>
+          <p:nvSpPr>
+            <p:cNvPr id="11" name="Flowchart: Connector 10"/>
+            <p:cNvSpPr/>
+            <p:nvPr/>
+          </p:nvSpPr>
+          <p:spPr>
+            <a:xfrm flipH="1">
+              <a:off x="8185234" y="4739854"/>
+              <a:ext cx="157020" cy="166254"/>
+            </a:xfrm>
+            <a:prstGeom prst="flowChartConnector">
+              <a:avLst/>
+            </a:prstGeom>
+          </p:spPr>
+          <p:style>
+            <a:lnRef idx="0">
+              <a:schemeClr val="accent1"/>
+            </a:lnRef>
+            <a:fillRef idx="3">
+              <a:schemeClr val="accent1"/>
+            </a:fillRef>
+            <a:effectRef idx="3">
+              <a:schemeClr val="accent1"/>
+            </a:effectRef>
+            <a:fontRef idx="minor">
+              <a:schemeClr val="lt1"/>
+            </a:fontRef>
+          </p:style>
+          <p:txBody>
+            <a:bodyPr rtlCol="0" anchor="ctr"/>
+            <a:lstStyle/>
+            <a:p>
+              <a:pPr algn="ctr"/>
+              <a:endParaRPr lang="en-US"/>
+            </a:p>
+          </p:txBody>
+        </p:sp>
+        <p:sp>
+          <p:nvSpPr>
+            <p:cNvPr id="12" name="Flowchart: Connector 11"/>
+            <p:cNvSpPr/>
+            <p:nvPr/>
+          </p:nvSpPr>
+          <p:spPr>
+            <a:xfrm flipH="1">
+              <a:off x="7923547" y="4739854"/>
+              <a:ext cx="157020" cy="166254"/>
+            </a:xfrm>
+            <a:prstGeom prst="flowChartConnector">
+              <a:avLst/>
+            </a:prstGeom>
+          </p:spPr>
+          <p:style>
+            <a:lnRef idx="0">
+              <a:schemeClr val="accent1"/>
+            </a:lnRef>
+            <a:fillRef idx="3">
+              <a:schemeClr val="accent1"/>
+            </a:fillRef>
+            <a:effectRef idx="3">
+              <a:schemeClr val="accent1"/>
+            </a:effectRef>
+            <a:fontRef idx="minor">
+              <a:schemeClr val="lt1"/>
+            </a:fontRef>
+          </p:style>
+          <p:txBody>
+            <a:bodyPr rtlCol="0" anchor="ctr"/>
+            <a:lstStyle/>
+            <a:p>
+              <a:pPr algn="ctr"/>
+              <a:endParaRPr lang="en-US"/>
+            </a:p>
+          </p:txBody>
+        </p:sp>
+        <p:sp>
+          <p:nvSpPr>
+            <p:cNvPr id="13" name="TextBox 12"/>
+            <p:cNvSpPr txBox="1"/>
+            <p:nvPr/>
+          </p:nvSpPr>
+          <p:spPr>
+            <a:xfrm>
+              <a:off x="877832" y="1006764"/>
+              <a:ext cx="5503430" cy="923330"/>
+            </a:xfrm>
+            <a:prstGeom prst="rect">
+              <a:avLst/>
+            </a:prstGeom>
+            <a:noFill/>
+          </p:spPr>
+          <p:txBody>
+            <a:bodyPr wrap="none" rtlCol="0">
+              <a:spAutoFit/>
+            </a:bodyPr>
+            <a:lstStyle/>
+            <a:p>
+              <a:r>
+                <a:rPr lang="en-US" altLang="zh-CN" dirty="0" smtClean="0">
+                  <a:latin typeface="Consolas" panose="020B0609020204030204" pitchFamily="49" charset="0"/>
+                </a:rPr>
+                <a:t>Dim </a:t>
+              </a:r>
+              <a:r>
+                <a:rPr lang="en-US" altLang="zh-CN" dirty="0" err="1" smtClean="0">
+                  <a:latin typeface="Consolas" panose="020B0609020204030204" pitchFamily="49" charset="0"/>
+                </a:rPr>
+                <a:t>LQuery</a:t>
+              </a:r>
+              <a:r>
+                <a:rPr lang="en-US" altLang="zh-CN" dirty="0" smtClean="0">
+                  <a:latin typeface="Consolas" panose="020B0609020204030204" pitchFamily="49" charset="0"/>
+                </a:rPr>
+                <a:t> = From x As &lt;type&gt; </a:t>
+              </a:r>
+            </a:p>
+            <a:p>
+              <a:r>
+                <a:rPr lang="en-US" altLang="zh-CN" dirty="0">
+                  <a:latin typeface="Consolas" panose="020B0609020204030204" pitchFamily="49" charset="0"/>
+                </a:rPr>
+                <a:t> </a:t>
+              </a:r>
+              <a:r>
+                <a:rPr lang="en-US" altLang="zh-CN" dirty="0" smtClean="0">
+                  <a:latin typeface="Consolas" panose="020B0609020204030204" pitchFamily="49" charset="0"/>
+                </a:rPr>
+                <a:t>            In </a:t>
+              </a:r>
+              <a:r>
+                <a:rPr lang="en-US" altLang="zh-CN" dirty="0" err="1" smtClean="0">
+                  <a:latin typeface="Consolas" panose="020B0609020204030204" pitchFamily="49" charset="0"/>
+                </a:rPr>
+                <a:t>source.AsDistribute</a:t>
+              </a:r>
+              <a:r>
+                <a:rPr lang="en-US" altLang="zh-CN" dirty="0" smtClean="0">
+                  <a:latin typeface="Consolas" panose="020B0609020204030204" pitchFamily="49" charset="0"/>
+                </a:rPr>
+                <a:t>(task) </a:t>
+              </a:r>
+            </a:p>
+            <a:p>
+              <a:r>
+                <a:rPr lang="en-US" altLang="zh-CN" dirty="0">
+                  <a:latin typeface="Consolas" panose="020B0609020204030204" pitchFamily="49" charset="0"/>
+                </a:rPr>
+                <a:t> </a:t>
+              </a:r>
+              <a:r>
+                <a:rPr lang="en-US" altLang="zh-CN" dirty="0" smtClean="0">
+                  <a:latin typeface="Consolas" panose="020B0609020204030204" pitchFamily="49" charset="0"/>
+                </a:rPr>
+                <a:t>            Select &lt;.</a:t>
+              </a:r>
+              <a:r>
+                <a:rPr lang="en-US" altLang="zh-CN" dirty="0" err="1" smtClean="0">
+                  <a:latin typeface="Consolas" panose="020B0609020204030204" pitchFamily="49" charset="0"/>
+                </a:rPr>
+                <a:t>ctor</a:t>
+              </a:r>
+              <a:r>
+                <a:rPr lang="en-US" altLang="zh-CN" dirty="0" smtClean="0">
+                  <a:latin typeface="Consolas" panose="020B0609020204030204" pitchFamily="49" charset="0"/>
+                </a:rPr>
+                <a:t>&gt;</a:t>
+              </a:r>
+              <a:endParaRPr lang="en-US" dirty="0">
+                <a:latin typeface="Consolas" panose="020B0609020204030204" pitchFamily="49" charset="0"/>
+              </a:endParaRPr>
+            </a:p>
+          </p:txBody>
+        </p:sp>
+        <p:sp>
+          <p:nvSpPr>
+            <p:cNvPr id="14" name="Rectangle 13"/>
+            <p:cNvSpPr/>
+            <p:nvPr/>
+          </p:nvSpPr>
+          <p:spPr>
+            <a:xfrm>
+              <a:off x="877831" y="2459959"/>
+              <a:ext cx="7638095" cy="517237"/>
+            </a:xfrm>
+            <a:prstGeom prst="rect">
+              <a:avLst/>
+            </a:prstGeom>
+          </p:spPr>
+          <p:style>
+            <a:lnRef idx="0">
+              <a:schemeClr val="accent5"/>
+            </a:lnRef>
+            <a:fillRef idx="3">
+              <a:schemeClr val="accent5"/>
+            </a:fillRef>
+            <a:effectRef idx="3">
+              <a:schemeClr val="accent5"/>
+            </a:effectRef>
+            <a:fontRef idx="minor">
+              <a:schemeClr val="lt1"/>
+            </a:fontRef>
+          </p:style>
+          <p:txBody>
+            <a:bodyPr rtlCol="0" anchor="ctr"/>
+            <a:lstStyle/>
+            <a:p>
+              <a:pPr algn="ctr"/>
+              <a:endParaRPr lang="en-US"/>
+            </a:p>
+          </p:txBody>
+        </p:sp>
+        <p:cxnSp>
+          <p:nvCxnSpPr>
+            <p:cNvPr id="16" name="Straight Connector 15"/>
+            <p:cNvCxnSpPr/>
+            <p:nvPr/>
+          </p:nvCxnSpPr>
+          <p:spPr>
+            <a:xfrm>
+              <a:off x="2161309" y="2441487"/>
+              <a:ext cx="0" cy="624986"/>
+            </a:xfrm>
+            <a:prstGeom prst="line">
+              <a:avLst/>
+            </a:prstGeom>
+            <a:ln w="63500">
+              <a:solidFill>
+                <a:srgbClr val="FF0000"/>
+              </a:solidFill>
+              <a:prstDash val="sysDash"/>
+            </a:ln>
+          </p:spPr>
+          <p:style>
+            <a:lnRef idx="1">
+              <a:schemeClr val="accent1"/>
+            </a:lnRef>
+            <a:fillRef idx="0">
+              <a:schemeClr val="accent1"/>
+            </a:fillRef>
+            <a:effectRef idx="0">
+              <a:schemeClr val="accent1"/>
+            </a:effectRef>
+            <a:fontRef idx="minor">
+              <a:schemeClr val="tx1"/>
+            </a:fontRef>
+          </p:style>
+        </p:cxnSp>
+        <p:cxnSp>
+          <p:nvCxnSpPr>
+            <p:cNvPr id="18" name="Straight Connector 17"/>
+            <p:cNvCxnSpPr/>
+            <p:nvPr/>
+          </p:nvCxnSpPr>
+          <p:spPr>
+            <a:xfrm>
+              <a:off x="3597220" y="2441487"/>
+              <a:ext cx="0" cy="624986"/>
+            </a:xfrm>
+            <a:prstGeom prst="line">
+              <a:avLst/>
+            </a:prstGeom>
+            <a:ln w="63500">
+              <a:solidFill>
+                <a:srgbClr val="FF0000"/>
+              </a:solidFill>
+              <a:prstDash val="sysDash"/>
+            </a:ln>
+          </p:spPr>
+          <p:style>
+            <a:lnRef idx="1">
+              <a:schemeClr val="accent1"/>
+            </a:lnRef>
+            <a:fillRef idx="0">
+              <a:schemeClr val="accent1"/>
+            </a:fillRef>
+            <a:effectRef idx="0">
+              <a:schemeClr val="accent1"/>
+            </a:effectRef>
+            <a:fontRef idx="minor">
+              <a:schemeClr val="tx1"/>
+            </a:fontRef>
+          </p:style>
+        </p:cxnSp>
+        <p:cxnSp>
+          <p:nvCxnSpPr>
+            <p:cNvPr id="19" name="Straight Connector 18"/>
+            <p:cNvCxnSpPr/>
+            <p:nvPr/>
+          </p:nvCxnSpPr>
+          <p:spPr>
+            <a:xfrm>
+              <a:off x="5017832" y="2441487"/>
+              <a:ext cx="0" cy="624986"/>
+            </a:xfrm>
+            <a:prstGeom prst="line">
+              <a:avLst/>
+            </a:prstGeom>
+            <a:ln w="63500">
+              <a:solidFill>
+                <a:srgbClr val="FF0000"/>
+              </a:solidFill>
+              <a:prstDash val="sysDash"/>
+            </a:ln>
+          </p:spPr>
+          <p:style>
+            <a:lnRef idx="1">
+              <a:schemeClr val="accent1"/>
+            </a:lnRef>
+            <a:fillRef idx="0">
+              <a:schemeClr val="accent1"/>
+            </a:fillRef>
+            <a:effectRef idx="0">
+              <a:schemeClr val="accent1"/>
+            </a:effectRef>
+            <a:fontRef idx="minor">
+              <a:schemeClr val="tx1"/>
+            </a:fontRef>
+          </p:style>
+        </p:cxnSp>
+        <p:cxnSp>
+          <p:nvCxnSpPr>
+            <p:cNvPr id="20" name="Straight Connector 19"/>
+            <p:cNvCxnSpPr/>
+            <p:nvPr/>
+          </p:nvCxnSpPr>
+          <p:spPr>
+            <a:xfrm>
+              <a:off x="6497514" y="2406084"/>
+              <a:ext cx="0" cy="624986"/>
+            </a:xfrm>
+            <a:prstGeom prst="line">
+              <a:avLst/>
+            </a:prstGeom>
+            <a:ln w="63500">
+              <a:solidFill>
+                <a:srgbClr val="FF0000"/>
+              </a:solidFill>
+              <a:prstDash val="sysDash"/>
+            </a:ln>
+          </p:spPr>
+          <p:style>
+            <a:lnRef idx="1">
+              <a:schemeClr val="accent1"/>
+            </a:lnRef>
+            <a:fillRef idx="0">
+              <a:schemeClr val="accent1"/>
+            </a:fillRef>
+            <a:effectRef idx="0">
+              <a:schemeClr val="accent1"/>
+            </a:effectRef>
+            <a:fontRef idx="minor">
+              <a:schemeClr val="tx1"/>
+            </a:fontRef>
+          </p:style>
+        </p:cxnSp>
+        <p:cxnSp>
+          <p:nvCxnSpPr>
+            <p:cNvPr id="21" name="Straight Connector 20"/>
+            <p:cNvCxnSpPr/>
+            <p:nvPr/>
+          </p:nvCxnSpPr>
+          <p:spPr>
+            <a:xfrm>
+              <a:off x="8048240" y="2406084"/>
+              <a:ext cx="0" cy="624986"/>
+            </a:xfrm>
+            <a:prstGeom prst="line">
+              <a:avLst/>
+            </a:prstGeom>
+            <a:ln w="63500">
+              <a:solidFill>
+                <a:srgbClr val="FF0000"/>
+              </a:solidFill>
+              <a:prstDash val="sysDash"/>
+            </a:ln>
+          </p:spPr>
+          <p:style>
+            <a:lnRef idx="1">
+              <a:schemeClr val="accent1"/>
+            </a:lnRef>
+            <a:fillRef idx="0">
+              <a:schemeClr val="accent1"/>
+            </a:fillRef>
+            <a:effectRef idx="0">
+              <a:schemeClr val="accent1"/>
+            </a:effectRef>
+            <a:fontRef idx="minor">
+              <a:schemeClr val="tx1"/>
+            </a:fontRef>
+          </p:style>
+        </p:cxnSp>
+        <p:sp>
+          <p:nvSpPr>
+            <p:cNvPr id="22" name="Down Arrow 21"/>
+            <p:cNvSpPr/>
+            <p:nvPr/>
+          </p:nvSpPr>
+          <p:spPr>
+            <a:xfrm>
+              <a:off x="4696878" y="1653309"/>
+              <a:ext cx="320954" cy="674255"/>
+            </a:xfrm>
+            <a:prstGeom prst="downArrow">
+              <a:avLst/>
+            </a:prstGeom>
+          </p:spPr>
+          <p:style>
+            <a:lnRef idx="0">
+              <a:schemeClr val="accent1"/>
+            </a:lnRef>
+            <a:fillRef idx="3">
+              <a:schemeClr val="accent1"/>
+            </a:fillRef>
+            <a:effectRef idx="3">
+              <a:schemeClr val="accent1"/>
+            </a:effectRef>
+            <a:fontRef idx="minor">
+              <a:schemeClr val="lt1"/>
+            </a:fontRef>
+          </p:style>
+          <p:txBody>
+            <a:bodyPr rtlCol="0" anchor="ctr"/>
+            <a:lstStyle/>
+            <a:p>
+              <a:pPr algn="ctr"/>
+              <a:endParaRPr lang="en-US"/>
+            </a:p>
+          </p:txBody>
+        </p:sp>
+        <p:sp>
+          <p:nvSpPr>
+            <p:cNvPr id="23" name="TextBox 22"/>
+            <p:cNvSpPr txBox="1"/>
+            <p:nvPr/>
+          </p:nvSpPr>
+          <p:spPr>
+            <a:xfrm>
+              <a:off x="6109787" y="3023376"/>
+              <a:ext cx="3344377" cy="369332"/>
+            </a:xfrm>
+            <a:prstGeom prst="rect">
+              <a:avLst/>
+            </a:prstGeom>
+            <a:noFill/>
+          </p:spPr>
+          <p:txBody>
+            <a:bodyPr wrap="none" rtlCol="0">
+              <a:spAutoFit/>
+            </a:bodyPr>
+            <a:lstStyle/>
+            <a:p>
+              <a:r>
+                <a:rPr lang="en-US" b="1" dirty="0" smtClean="0"/>
+                <a:t>source</a:t>
+              </a:r>
+              <a:r>
+                <a:rPr lang="en-US" dirty="0" smtClean="0"/>
+                <a:t> task sequence </a:t>
+              </a:r>
+              <a:r>
+                <a:rPr lang="en-US" altLang="zh-CN" dirty="0" smtClean="0"/>
+                <a:t>partitioning</a:t>
+              </a:r>
+              <a:endParaRPr lang="en-US" dirty="0"/>
+            </a:p>
+          </p:txBody>
+        </p:sp>
+        <p:cxnSp>
+          <p:nvCxnSpPr>
+            <p:cNvPr id="25" name="Straight Arrow Connector 24"/>
+            <p:cNvCxnSpPr>
+              <a:endCxn id="4" idx="0"/>
+            </p:cNvCxnSpPr>
+            <p:nvPr/>
+          </p:nvCxnSpPr>
+          <p:spPr>
+            <a:xfrm>
+              <a:off x="1468582" y="2977196"/>
+              <a:ext cx="1745007" cy="1586012"/>
+            </a:xfrm>
+            <a:prstGeom prst="straightConnector1">
+              <a:avLst/>
+            </a:prstGeom>
+            <a:ln w="63500">
+              <a:solidFill>
+                <a:srgbClr val="0070C0"/>
+              </a:solidFill>
+              <a:tailEnd type="triangle"/>
+            </a:ln>
+          </p:spPr>
+          <p:style>
+            <a:lnRef idx="1">
+              <a:schemeClr val="accent1"/>
+            </a:lnRef>
+            <a:fillRef idx="0">
+              <a:schemeClr val="accent1"/>
+            </a:fillRef>
+            <a:effectRef idx="0">
+              <a:schemeClr val="accent1"/>
+            </a:effectRef>
+            <a:fontRef idx="minor">
+              <a:schemeClr val="tx1"/>
+            </a:fontRef>
+          </p:style>
+        </p:cxnSp>
+        <p:cxnSp>
+          <p:nvCxnSpPr>
+            <p:cNvPr id="26" name="Straight Arrow Connector 25"/>
+            <p:cNvCxnSpPr>
+              <a:endCxn id="5" idx="0"/>
+            </p:cNvCxnSpPr>
+            <p:nvPr/>
+          </p:nvCxnSpPr>
+          <p:spPr>
+            <a:xfrm>
+              <a:off x="2872509" y="3031070"/>
+              <a:ext cx="1618895" cy="1532138"/>
+            </a:xfrm>
+            <a:prstGeom prst="straightConnector1">
+              <a:avLst/>
+            </a:prstGeom>
+            <a:ln w="63500">
+              <a:solidFill>
+                <a:srgbClr val="0070C0"/>
+              </a:solidFill>
+              <a:tailEnd type="triangle"/>
+            </a:ln>
+          </p:spPr>
+          <p:style>
+            <a:lnRef idx="1">
+              <a:schemeClr val="accent1"/>
+            </a:lnRef>
+            <a:fillRef idx="0">
+              <a:schemeClr val="accent1"/>
+            </a:fillRef>
+            <a:effectRef idx="0">
+              <a:schemeClr val="accent1"/>
+            </a:effectRef>
+            <a:fontRef idx="minor">
+              <a:schemeClr val="tx1"/>
+            </a:fontRef>
+          </p:style>
+        </p:cxnSp>
+        <p:cxnSp>
+          <p:nvCxnSpPr>
+            <p:cNvPr id="29" name="Straight Arrow Connector 28"/>
+            <p:cNvCxnSpPr>
+              <a:endCxn id="6" idx="0"/>
+            </p:cNvCxnSpPr>
+            <p:nvPr/>
+          </p:nvCxnSpPr>
+          <p:spPr>
+            <a:xfrm>
+              <a:off x="4276436" y="3066473"/>
+              <a:ext cx="1492783" cy="1496735"/>
+            </a:xfrm>
+            <a:prstGeom prst="straightConnector1">
+              <a:avLst/>
+            </a:prstGeom>
+            <a:ln w="63500">
+              <a:solidFill>
+                <a:srgbClr val="0070C0"/>
+              </a:solidFill>
+              <a:tailEnd type="triangle"/>
+            </a:ln>
+          </p:spPr>
+          <p:style>
+            <a:lnRef idx="1">
+              <a:schemeClr val="accent1"/>
+            </a:lnRef>
+            <a:fillRef idx="0">
+              <a:schemeClr val="accent1"/>
+            </a:fillRef>
+            <a:effectRef idx="0">
+              <a:schemeClr val="accent1"/>
+            </a:effectRef>
+            <a:fontRef idx="minor">
+              <a:schemeClr val="tx1"/>
+            </a:fontRef>
+          </p:style>
+        </p:cxnSp>
+        <p:cxnSp>
+          <p:nvCxnSpPr>
+            <p:cNvPr id="33" name="Straight Arrow Connector 32"/>
+            <p:cNvCxnSpPr>
+              <a:endCxn id="7" idx="0"/>
+            </p:cNvCxnSpPr>
+            <p:nvPr/>
+          </p:nvCxnSpPr>
+          <p:spPr>
+            <a:xfrm>
+              <a:off x="5769218" y="3066473"/>
+              <a:ext cx="1277816" cy="1496735"/>
+            </a:xfrm>
+            <a:prstGeom prst="straightConnector1">
+              <a:avLst/>
+            </a:prstGeom>
+            <a:ln w="63500">
+              <a:solidFill>
+                <a:srgbClr val="0070C0"/>
+              </a:solidFill>
+              <a:tailEnd type="triangle"/>
+            </a:ln>
+          </p:spPr>
+          <p:style>
+            <a:lnRef idx="1">
+              <a:schemeClr val="accent1"/>
+            </a:lnRef>
+            <a:fillRef idx="0">
+              <a:schemeClr val="accent1"/>
+            </a:fillRef>
+            <a:effectRef idx="0">
+              <a:schemeClr val="accent1"/>
+            </a:effectRef>
+            <a:fontRef idx="minor">
+              <a:schemeClr val="tx1"/>
+            </a:fontRef>
+          </p:style>
+        </p:cxnSp>
+        <p:sp>
+          <p:nvSpPr>
+            <p:cNvPr id="36" name="TextBox 35"/>
+            <p:cNvSpPr txBox="1"/>
+            <p:nvPr/>
+          </p:nvSpPr>
+          <p:spPr>
+            <a:xfrm>
+              <a:off x="2717118" y="5477870"/>
+              <a:ext cx="649537" cy="307777"/>
+            </a:xfrm>
+            <a:prstGeom prst="rect">
+              <a:avLst/>
+            </a:prstGeom>
+            <a:noFill/>
+          </p:spPr>
+          <p:txBody>
+            <a:bodyPr wrap="none" rtlCol="0">
+              <a:spAutoFit/>
+            </a:bodyPr>
+            <a:lstStyle/>
+            <a:p>
+              <a:r>
+                <a:rPr lang="en-US" sz="1400" dirty="0" smtClean="0"/>
+                <a:t>node1</a:t>
+              </a:r>
+              <a:endParaRPr lang="en-US" sz="1400" dirty="0"/>
+            </a:p>
+          </p:txBody>
+        </p:sp>
+        <p:sp>
+          <p:nvSpPr>
+            <p:cNvPr id="37" name="TextBox 36"/>
+            <p:cNvSpPr txBox="1"/>
+            <p:nvPr/>
+          </p:nvSpPr>
+          <p:spPr>
+            <a:xfrm>
+              <a:off x="4035188" y="5477870"/>
+              <a:ext cx="649537" cy="307777"/>
+            </a:xfrm>
+            <a:prstGeom prst="rect">
+              <a:avLst/>
+            </a:prstGeom>
+            <a:noFill/>
+          </p:spPr>
+          <p:txBody>
+            <a:bodyPr wrap="none" rtlCol="0">
+              <a:spAutoFit/>
+            </a:bodyPr>
+            <a:lstStyle/>
+            <a:p>
+              <a:r>
+                <a:rPr lang="en-US" sz="1400" dirty="0" smtClean="0"/>
+                <a:t>node2</a:t>
+              </a:r>
+              <a:endParaRPr lang="en-US" sz="1400" dirty="0"/>
+            </a:p>
+          </p:txBody>
+        </p:sp>
+        <p:sp>
+          <p:nvSpPr>
+            <p:cNvPr id="38" name="TextBox 37"/>
+            <p:cNvSpPr txBox="1"/>
+            <p:nvPr/>
+          </p:nvSpPr>
+          <p:spPr>
+            <a:xfrm>
+              <a:off x="5219699" y="5477869"/>
+              <a:ext cx="649537" cy="307777"/>
+            </a:xfrm>
+            <a:prstGeom prst="rect">
+              <a:avLst/>
+            </a:prstGeom>
+            <a:noFill/>
+          </p:spPr>
+          <p:txBody>
+            <a:bodyPr wrap="none" rtlCol="0">
+              <a:spAutoFit/>
+            </a:bodyPr>
+            <a:lstStyle/>
+            <a:p>
+              <a:r>
+                <a:rPr lang="en-US" sz="1400" dirty="0" smtClean="0"/>
+                <a:t>node3</a:t>
+              </a:r>
+              <a:endParaRPr lang="en-US" sz="1400" dirty="0"/>
+            </a:p>
+          </p:txBody>
+        </p:sp>
+        <p:sp>
+          <p:nvSpPr>
+            <p:cNvPr id="39" name="TextBox 38"/>
+            <p:cNvSpPr txBox="1"/>
+            <p:nvPr/>
+          </p:nvSpPr>
+          <p:spPr>
+            <a:xfrm>
+              <a:off x="6535565" y="5477869"/>
+              <a:ext cx="649537" cy="307777"/>
+            </a:xfrm>
+            <a:prstGeom prst="rect">
+              <a:avLst/>
+            </a:prstGeom>
+            <a:noFill/>
+          </p:spPr>
+          <p:txBody>
+            <a:bodyPr wrap="none" rtlCol="0">
+              <a:spAutoFit/>
+            </a:bodyPr>
+            <a:lstStyle/>
+            <a:p>
+              <a:r>
+                <a:rPr lang="en-US" sz="1400" dirty="0" smtClean="0"/>
+                <a:t>node4</a:t>
+              </a:r>
+              <a:endParaRPr lang="en-US" sz="1400" dirty="0"/>
+            </a:p>
+          </p:txBody>
+        </p:sp>
+        <p:sp>
+          <p:nvSpPr>
+            <p:cNvPr id="40" name="TextBox 39"/>
+            <p:cNvSpPr txBox="1"/>
+            <p:nvPr/>
+          </p:nvSpPr>
+          <p:spPr>
+            <a:xfrm>
+              <a:off x="7781976" y="5477868"/>
+              <a:ext cx="816249" cy="307777"/>
+            </a:xfrm>
+            <a:prstGeom prst="rect">
+              <a:avLst/>
+            </a:prstGeom>
+            <a:noFill/>
+          </p:spPr>
+          <p:txBody>
+            <a:bodyPr wrap="none" rtlCol="0">
+              <a:spAutoFit/>
+            </a:bodyPr>
+            <a:lstStyle/>
+            <a:p>
+              <a:r>
+                <a:rPr lang="en-US" sz="1400" dirty="0" smtClean="0"/>
+                <a:t>node n…</a:t>
+              </a:r>
+              <a:endParaRPr lang="en-US" sz="1400" dirty="0"/>
+            </a:p>
+          </p:txBody>
+        </p:sp>
+        <p:sp>
+          <p:nvSpPr>
+            <p:cNvPr id="41" name="TextBox 40"/>
+            <p:cNvSpPr txBox="1"/>
+            <p:nvPr/>
+          </p:nvSpPr>
+          <p:spPr>
+            <a:xfrm>
+              <a:off x="6832066" y="3870548"/>
+              <a:ext cx="3015954" cy="369332"/>
+            </a:xfrm>
+            <a:prstGeom prst="rect">
+              <a:avLst/>
+            </a:prstGeom>
+            <a:noFill/>
+          </p:spPr>
+          <p:txBody>
+            <a:bodyPr wrap="none" rtlCol="0">
+              <a:spAutoFit/>
+            </a:bodyPr>
+            <a:lstStyle/>
+            <a:p>
+              <a:r>
+                <a:rPr lang="en-US" b="1" dirty="0" smtClean="0"/>
+                <a:t>Assign</a:t>
+              </a:r>
+              <a:r>
+                <a:rPr lang="en-US" dirty="0" smtClean="0"/>
+                <a:t> task </a:t>
+              </a:r>
+              <a:r>
+                <a:rPr lang="en-US" altLang="zh-CN" dirty="0" smtClean="0"/>
+                <a:t>partition on nodes</a:t>
+              </a:r>
+              <a:endParaRPr lang="en-US" dirty="0"/>
+            </a:p>
+          </p:txBody>
+        </p:sp>
+        <p:sp>
+          <p:nvSpPr>
+            <p:cNvPr id="42" name="Flowchart: Terminator 41"/>
+            <p:cNvSpPr/>
+            <p:nvPr/>
+          </p:nvSpPr>
+          <p:spPr>
+            <a:xfrm>
+              <a:off x="7692305" y="1247435"/>
+              <a:ext cx="1959695" cy="516709"/>
+            </a:xfrm>
+            <a:custGeom>
+              <a:avLst/>
+              <a:gdLst>
+                <a:gd name="connsiteX0" fmla="*/ 3475 w 21600"/>
+                <a:gd name="connsiteY0" fmla="*/ 0 h 21600"/>
+                <a:gd name="connsiteX1" fmla="*/ 18125 w 21600"/>
+                <a:gd name="connsiteY1" fmla="*/ 0 h 21600"/>
+                <a:gd name="connsiteX2" fmla="*/ 21600 w 21600"/>
+                <a:gd name="connsiteY2" fmla="*/ 10800 h 21600"/>
+                <a:gd name="connsiteX3" fmla="*/ 18125 w 21600"/>
+                <a:gd name="connsiteY3" fmla="*/ 21600 h 21600"/>
+                <a:gd name="connsiteX4" fmla="*/ 3475 w 21600"/>
+                <a:gd name="connsiteY4" fmla="*/ 21600 h 21600"/>
+                <a:gd name="connsiteX5" fmla="*/ 0 w 21600"/>
+                <a:gd name="connsiteY5" fmla="*/ 10800 h 21600"/>
+                <a:gd name="connsiteX6" fmla="*/ 3475 w 21600"/>
+                <a:gd name="connsiteY6" fmla="*/ 0 h 21600"/>
+                <a:gd name="connsiteX0" fmla="*/ 1996 w 20121"/>
+                <a:gd name="connsiteY0" fmla="*/ 0 h 21600"/>
+                <a:gd name="connsiteX1" fmla="*/ 16646 w 20121"/>
+                <a:gd name="connsiteY1" fmla="*/ 0 h 21600"/>
+                <a:gd name="connsiteX2" fmla="*/ 20121 w 20121"/>
+                <a:gd name="connsiteY2" fmla="*/ 10800 h 21600"/>
+                <a:gd name="connsiteX3" fmla="*/ 16646 w 20121"/>
+                <a:gd name="connsiteY3" fmla="*/ 21600 h 21600"/>
+                <a:gd name="connsiteX4" fmla="*/ 1996 w 20121"/>
+                <a:gd name="connsiteY4" fmla="*/ 21600 h 21600"/>
+                <a:gd name="connsiteX5" fmla="*/ 0 w 20121"/>
+                <a:gd name="connsiteY5" fmla="*/ 10800 h 21600"/>
+                <a:gd name="connsiteX6" fmla="*/ 1996 w 20121"/>
+                <a:gd name="connsiteY6" fmla="*/ 0 h 21600"/>
+                <a:gd name="connsiteX0" fmla="*/ 1400 w 19525"/>
+                <a:gd name="connsiteY0" fmla="*/ 0 h 21600"/>
+                <a:gd name="connsiteX1" fmla="*/ 16050 w 19525"/>
+                <a:gd name="connsiteY1" fmla="*/ 0 h 21600"/>
+                <a:gd name="connsiteX2" fmla="*/ 19525 w 19525"/>
+                <a:gd name="connsiteY2" fmla="*/ 10800 h 21600"/>
+                <a:gd name="connsiteX3" fmla="*/ 16050 w 19525"/>
+                <a:gd name="connsiteY3" fmla="*/ 21600 h 21600"/>
+                <a:gd name="connsiteX4" fmla="*/ 1400 w 19525"/>
+                <a:gd name="connsiteY4" fmla="*/ 21600 h 21600"/>
+                <a:gd name="connsiteX5" fmla="*/ 94 w 19525"/>
+                <a:gd name="connsiteY5" fmla="*/ 10800 h 21600"/>
+                <a:gd name="connsiteX6" fmla="*/ 1400 w 19525"/>
+                <a:gd name="connsiteY6" fmla="*/ 0 h 21600"/>
+                <a:gd name="connsiteX0" fmla="*/ 1400 w 17590"/>
+                <a:gd name="connsiteY0" fmla="*/ 0 h 21600"/>
+                <a:gd name="connsiteX1" fmla="*/ 16050 w 17590"/>
+                <a:gd name="connsiteY1" fmla="*/ 0 h 21600"/>
+                <a:gd name="connsiteX2" fmla="*/ 17552 w 17590"/>
+                <a:gd name="connsiteY2" fmla="*/ 11978 h 21600"/>
+                <a:gd name="connsiteX3" fmla="*/ 16050 w 17590"/>
+                <a:gd name="connsiteY3" fmla="*/ 21600 h 21600"/>
+                <a:gd name="connsiteX4" fmla="*/ 1400 w 17590"/>
+                <a:gd name="connsiteY4" fmla="*/ 21600 h 21600"/>
+                <a:gd name="connsiteX5" fmla="*/ 94 w 17590"/>
+                <a:gd name="connsiteY5" fmla="*/ 10800 h 21600"/>
+                <a:gd name="connsiteX6" fmla="*/ 1400 w 17590"/>
+                <a:gd name="connsiteY6" fmla="*/ 0 h 21600"/>
+              </a:gdLst>
+              <a:ahLst/>
+              <a:cxnLst>
+                <a:cxn ang="0">
+                  <a:pos x="connsiteX0" y="connsiteY0"/>
+                </a:cxn>
+                <a:cxn ang="0">
+                  <a:pos x="connsiteX1" y="connsiteY1"/>
+                </a:cxn>
+                <a:cxn ang="0">
+                  <a:pos x="connsiteX2" y="connsiteY2"/>
+                </a:cxn>
+                <a:cxn ang="0">
+                  <a:pos x="connsiteX3" y="connsiteY3"/>
+                </a:cxn>
+                <a:cxn ang="0">
+                  <a:pos x="connsiteX4" y="connsiteY4"/>
+                </a:cxn>
+                <a:cxn ang="0">
+                  <a:pos x="connsiteX5" y="connsiteY5"/>
+                </a:cxn>
+                <a:cxn ang="0">
+                  <a:pos x="connsiteX6" y="connsiteY6"/>
+                </a:cxn>
+              </a:cxnLst>
+              <a:rect l="l" t="t" r="r" b="b"/>
+              <a:pathLst>
+                <a:path w="17590" h="21600">
+                  <a:moveTo>
+                    <a:pt x="1400" y="0"/>
+                  </a:moveTo>
+                  <a:lnTo>
+                    <a:pt x="16050" y="0"/>
+                  </a:lnTo>
+                  <a:cubicBezTo>
+                    <a:pt x="17969" y="0"/>
+                    <a:pt x="17552" y="6013"/>
+                    <a:pt x="17552" y="11978"/>
+                  </a:cubicBezTo>
+                  <a:cubicBezTo>
+                    <a:pt x="17552" y="17943"/>
+                    <a:pt x="17969" y="21600"/>
+                    <a:pt x="16050" y="21600"/>
+                  </a:cubicBezTo>
+                  <a:lnTo>
+                    <a:pt x="1400" y="21600"/>
+                  </a:lnTo>
+                  <a:cubicBezTo>
+                    <a:pt x="-519" y="21600"/>
+                    <a:pt x="94" y="16765"/>
+                    <a:pt x="94" y="10800"/>
+                  </a:cubicBezTo>
+                  <a:cubicBezTo>
+                    <a:pt x="94" y="4835"/>
+                    <a:pt x="-519" y="0"/>
+                    <a:pt x="1400" y="0"/>
+                  </a:cubicBezTo>
+                  <a:close/>
+                </a:path>
+              </a:pathLst>
+            </a:custGeom>
+          </p:spPr>
+          <p:style>
+            <a:lnRef idx="0">
+              <a:schemeClr val="accent6"/>
+            </a:lnRef>
+            <a:fillRef idx="3">
+              <a:schemeClr val="accent6"/>
+            </a:fillRef>
+            <a:effectRef idx="3">
+              <a:schemeClr val="accent6"/>
+            </a:effectRef>
+            <a:fontRef idx="minor">
+              <a:schemeClr val="lt1"/>
+            </a:fontRef>
+          </p:style>
+          <p:txBody>
+            <a:bodyPr rtlCol="0" anchor="ctr"/>
+            <a:lstStyle/>
+            <a:p>
+              <a:pPr algn="ctr"/>
+              <a:r>
+                <a:rPr lang="en-US" altLang="zh-CN" dirty="0" smtClean="0"/>
+                <a:t>Iterator</a:t>
+              </a:r>
+              <a:endParaRPr lang="en-US" dirty="0"/>
+            </a:p>
+          </p:txBody>
+        </p:sp>
+        <p:cxnSp>
+          <p:nvCxnSpPr>
+            <p:cNvPr id="44" name="Elbow Connector 43"/>
+            <p:cNvCxnSpPr>
+              <a:stCxn id="4" idx="2"/>
+              <a:endCxn id="42" idx="2"/>
+            </p:cNvCxnSpPr>
+            <p:nvPr/>
+          </p:nvCxnSpPr>
+          <p:spPr>
+            <a:xfrm rot="5400000" flipH="1" flipV="1">
+              <a:off x="4573157" y="174400"/>
+              <a:ext cx="3715039" cy="6434177"/>
+            </a:xfrm>
+            <a:prstGeom prst="bentConnector4">
+              <a:avLst>
+                <a:gd name="adj1" fmla="val -6153"/>
+                <a:gd name="adj2" fmla="val 103619"/>
+              </a:avLst>
+            </a:prstGeom>
+            <a:ln w="38100">
+              <a:tailEnd type="triangle"/>
+            </a:ln>
+          </p:spPr>
+          <p:style>
+            <a:lnRef idx="2">
+              <a:schemeClr val="accent3"/>
+            </a:lnRef>
+            <a:fillRef idx="0">
+              <a:schemeClr val="accent3"/>
+            </a:fillRef>
+            <a:effectRef idx="1">
+              <a:schemeClr val="accent3"/>
+            </a:effectRef>
+            <a:fontRef idx="minor">
+              <a:schemeClr val="tx1"/>
+            </a:fontRef>
+          </p:style>
+        </p:cxnSp>
+        <p:cxnSp>
+          <p:nvCxnSpPr>
+            <p:cNvPr id="46" name="Elbow Connector 45"/>
+            <p:cNvCxnSpPr>
+              <a:stCxn id="5" idx="2"/>
+              <a:endCxn id="42" idx="2"/>
+            </p:cNvCxnSpPr>
+            <p:nvPr/>
+          </p:nvCxnSpPr>
+          <p:spPr>
+            <a:xfrm rot="5400000" flipH="1" flipV="1">
+              <a:off x="5212065" y="813308"/>
+              <a:ext cx="3715039" cy="5156362"/>
+            </a:xfrm>
+            <a:prstGeom prst="bentConnector4">
+              <a:avLst>
+                <a:gd name="adj1" fmla="val -6153"/>
+                <a:gd name="adj2" fmla="val 104515"/>
+              </a:avLst>
+            </a:prstGeom>
+            <a:ln w="38100">
+              <a:tailEnd type="triangle"/>
+            </a:ln>
+          </p:spPr>
+          <p:style>
+            <a:lnRef idx="2">
+              <a:schemeClr val="accent3"/>
+            </a:lnRef>
+            <a:fillRef idx="0">
+              <a:schemeClr val="accent3"/>
+            </a:fillRef>
+            <a:effectRef idx="1">
+              <a:schemeClr val="accent3"/>
+            </a:effectRef>
+            <a:fontRef idx="minor">
+              <a:schemeClr val="tx1"/>
+            </a:fontRef>
+          </p:style>
+        </p:cxnSp>
+        <p:cxnSp>
+          <p:nvCxnSpPr>
+            <p:cNvPr id="49" name="Elbow Connector 48"/>
+            <p:cNvCxnSpPr>
+              <a:stCxn id="6" idx="2"/>
+              <a:endCxn id="42" idx="2"/>
+            </p:cNvCxnSpPr>
+            <p:nvPr/>
+          </p:nvCxnSpPr>
+          <p:spPr>
+            <a:xfrm rot="5400000" flipH="1" flipV="1">
+              <a:off x="5850972" y="1452215"/>
+              <a:ext cx="3715039" cy="3878547"/>
+            </a:xfrm>
+            <a:prstGeom prst="bentConnector4">
+              <a:avLst>
+                <a:gd name="adj1" fmla="val -6153"/>
+                <a:gd name="adj2" fmla="val 106003"/>
+              </a:avLst>
+            </a:prstGeom>
+            <a:ln w="38100">
+              <a:tailEnd type="triangle"/>
+            </a:ln>
+          </p:spPr>
+          <p:style>
+            <a:lnRef idx="2">
+              <a:schemeClr val="accent3"/>
+            </a:lnRef>
+            <a:fillRef idx="0">
+              <a:schemeClr val="accent3"/>
+            </a:fillRef>
+            <a:effectRef idx="1">
+              <a:schemeClr val="accent3"/>
+            </a:effectRef>
+            <a:fontRef idx="minor">
+              <a:schemeClr val="tx1"/>
+            </a:fontRef>
+          </p:style>
+        </p:cxnSp>
+        <p:cxnSp>
+          <p:nvCxnSpPr>
+            <p:cNvPr id="52" name="Elbow Connector 51"/>
+            <p:cNvCxnSpPr>
+              <a:stCxn id="7" idx="2"/>
+              <a:endCxn id="42" idx="2"/>
+            </p:cNvCxnSpPr>
+            <p:nvPr/>
+          </p:nvCxnSpPr>
+          <p:spPr>
+            <a:xfrm rot="5400000" flipH="1" flipV="1">
+              <a:off x="6489880" y="2091123"/>
+              <a:ext cx="3715039" cy="2600732"/>
+            </a:xfrm>
+            <a:prstGeom prst="bentConnector4">
+              <a:avLst>
+                <a:gd name="adj1" fmla="val -6153"/>
+                <a:gd name="adj2" fmla="val 108953"/>
+              </a:avLst>
+            </a:prstGeom>
+            <a:ln w="38100">
+              <a:tailEnd type="triangle"/>
+            </a:ln>
+          </p:spPr>
+          <p:style>
+            <a:lnRef idx="2">
+              <a:schemeClr val="accent3"/>
+            </a:lnRef>
+            <a:fillRef idx="0">
+              <a:schemeClr val="accent3"/>
+            </a:fillRef>
+            <a:effectRef idx="1">
+              <a:schemeClr val="accent3"/>
+            </a:effectRef>
+            <a:fontRef idx="minor">
+              <a:schemeClr val="tx1"/>
+            </a:fontRef>
+          </p:style>
+        </p:cxnSp>
+        <p:cxnSp>
+          <p:nvCxnSpPr>
+            <p:cNvPr id="55" name="Elbow Connector 54"/>
+            <p:cNvCxnSpPr>
+              <a:stCxn id="11" idx="4"/>
+              <a:endCxn id="42" idx="2"/>
+            </p:cNvCxnSpPr>
+            <p:nvPr/>
+          </p:nvCxnSpPr>
+          <p:spPr>
+            <a:xfrm rot="5400000" flipH="1" flipV="1">
+              <a:off x="7269685" y="2528028"/>
+              <a:ext cx="3372139" cy="1384022"/>
+            </a:xfrm>
+            <a:prstGeom prst="bentConnector4">
+              <a:avLst>
+                <a:gd name="adj1" fmla="val -6779"/>
+                <a:gd name="adj2" fmla="val 116823"/>
+              </a:avLst>
+            </a:prstGeom>
+            <a:ln w="38100">
+              <a:tailEnd type="triangle"/>
+            </a:ln>
+          </p:spPr>
+          <p:style>
+            <a:lnRef idx="2">
+              <a:schemeClr val="accent3"/>
+            </a:lnRef>
+            <a:fillRef idx="0">
+              <a:schemeClr val="accent3"/>
+            </a:fillRef>
+            <a:effectRef idx="1">
+              <a:schemeClr val="accent3"/>
+            </a:effectRef>
+            <a:fontRef idx="minor">
+              <a:schemeClr val="tx1"/>
+            </a:fontRef>
+          </p:style>
+        </p:cxnSp>
+        <p:sp>
+          <p:nvSpPr>
+            <p:cNvPr id="58" name="Left Arrow 57"/>
+            <p:cNvSpPr/>
+            <p:nvPr/>
+          </p:nvSpPr>
+          <p:spPr>
+            <a:xfrm>
+              <a:off x="6217884" y="1286415"/>
+              <a:ext cx="1355578" cy="401969"/>
+            </a:xfrm>
+            <a:prstGeom prst="leftArrow">
+              <a:avLst/>
+            </a:prstGeom>
+          </p:spPr>
+          <p:style>
+            <a:lnRef idx="0">
+              <a:schemeClr val="accent6"/>
+            </a:lnRef>
+            <a:fillRef idx="3">
+              <a:schemeClr val="accent6"/>
+            </a:fillRef>
+            <a:effectRef idx="3">
+              <a:schemeClr val="accent6"/>
+            </a:effectRef>
+            <a:fontRef idx="minor">
+              <a:schemeClr val="lt1"/>
+            </a:fontRef>
+          </p:style>
+          <p:txBody>
+            <a:bodyPr rtlCol="0" anchor="ctr"/>
+            <a:lstStyle/>
+            <a:p>
+              <a:pPr algn="ctr"/>
+              <a:endParaRPr lang="en-US"/>
+            </a:p>
+          </p:txBody>
+        </p:sp>
+      </p:grpSp>
+    </p:spTree>
+    <p:extLst>
+      <p:ext uri="{BB962C8B-B14F-4D97-AF65-F5344CB8AC3E}">
+        <p14:creationId xmlns:p14="http://schemas.microsoft.com/office/powerpoint/2010/main" val="2537695414"/>
+      </p:ext>
+    </p:extLst>
+  </p:cSld>
+  <p:clrMapOvr>
+    <a:masterClrMapping/>
+  </p:clrMapOvr>
+</p:sld>
+</file>
+
 <file path=ppt/theme/theme1.xml><?xml version="1.0" encoding="utf-8"?>
 <a:theme xmlns:a="http://schemas.openxmlformats.org/drawingml/2006/main" name="Office Theme">
   <a:themeElements>
@@ -3597,4 +5547,265 @@
     </a:ext>
   </a:extLst>
 </a:theme>
+</file>
+
+<file path=ppt/theme/theme2.xml><?xml version="1.0" encoding="utf-8"?>
+<a:theme xmlns:a="http://schemas.openxmlformats.org/drawingml/2006/main" name="Office Theme">
+  <a:themeElements>
+    <a:clrScheme name="Office">
+      <a:dk1>
+        <a:sysClr val="windowText" lastClr="000000"/>
+      </a:dk1>
+      <a:lt1>
+        <a:sysClr val="window" lastClr="FFFFFF"/>
+      </a:lt1>
+      <a:dk2>
+        <a:srgbClr val="44546A"/>
+      </a:dk2>
+      <a:lt2>
+        <a:srgbClr val="E7E6E6"/>
+      </a:lt2>
+      <a:accent1>
+        <a:srgbClr val="5B9BD5"/>
+      </a:accent1>
+      <a:accent2>
+        <a:srgbClr val="ED7D31"/>
+      </a:accent2>
+      <a:accent3>
+        <a:srgbClr val="A5A5A5"/>
+      </a:accent3>
+      <a:accent4>
+        <a:srgbClr val="FFC000"/>
+      </a:accent4>
+      <a:accent5>
+        <a:srgbClr val="4472C4"/>
+      </a:accent5>
+      <a:accent6>
+        <a:srgbClr val="70AD47"/>
+      </a:accent6>
+      <a:hlink>
+        <a:srgbClr val="0563C1"/>
+      </a:hlink>
+      <a:folHlink>
+        <a:srgbClr val="954F72"/>
+      </a:folHlink>
+    </a:clrScheme>
+    <a:fontScheme name="Office">
+      <a:majorFont>
+        <a:latin typeface="Calibri Light" panose="020F0302020204030204"/>
+        <a:ea typeface=""/>
+        <a:cs typeface=""/>
+        <a:font script="Jpan" typeface="游ゴシック Light"/>
+        <a:font script="Hang" typeface="맑은 고딕"/>
+        <a:font script="Hans" typeface="等线 Light"/>
+        <a:font script="Hant" typeface="新細明體"/>
+        <a:font script="Arab" typeface="Times New Roman"/>
+        <a:font script="Hebr" typeface="Times New Roman"/>
+        <a:font script="Thai" typeface="Angsana New"/>
+        <a:font script="Ethi" typeface="Nyala"/>
+        <a:font script="Beng" typeface="Vrinda"/>
+        <a:font script="Gujr" typeface="Shruti"/>
+        <a:font script="Khmr" typeface="MoolBoran"/>
+        <a:font script="Knda" typeface="Tunga"/>
+        <a:font script="Guru" typeface="Raavi"/>
+        <a:font script="Cans" typeface="Euphemia"/>
+        <a:font script="Cher" typeface="Plantagenet Cherokee"/>
+        <a:font script="Yiii" typeface="Microsoft Yi Baiti"/>
+        <a:font script="Tibt" typeface="Microsoft Himalaya"/>
+        <a:font script="Thaa" typeface="MV Boli"/>
+        <a:font script="Deva" typeface="Mangal"/>
+        <a:font script="Telu" typeface="Gautami"/>
+        <a:font script="Taml" typeface="Latha"/>
+        <a:font script="Syrc" typeface="Estrangelo Edessa"/>
+        <a:font script="Orya" typeface="Kalinga"/>
+        <a:font script="Mlym" typeface="Kartika"/>
+        <a:font script="Laoo" typeface="DokChampa"/>
+        <a:font script="Sinh" typeface="Iskoola Pota"/>
+        <a:font script="Mong" typeface="Mongolian Baiti"/>
+        <a:font script="Viet" typeface="Times New Roman"/>
+        <a:font script="Uigh" typeface="Microsoft Uighur"/>
+        <a:font script="Geor" typeface="Sylfaen"/>
+      </a:majorFont>
+      <a:minorFont>
+        <a:latin typeface="Calibri" panose="020F0502020204030204"/>
+        <a:ea typeface=""/>
+        <a:cs typeface=""/>
+        <a:font script="Jpan" typeface="游ゴシック"/>
+        <a:font script="Hang" typeface="맑은 고딕"/>
+        <a:font script="Hans" typeface="等线"/>
+        <a:font script="Hant" typeface="新細明體"/>
+        <a:font script="Arab" typeface="Arial"/>
+        <a:font script="Hebr" typeface="Arial"/>
+        <a:font script="Thai" typeface="Cordia New"/>
+        <a:font script="Ethi" typeface="Nyala"/>
+        <a:font script="Beng" typeface="Vrinda"/>
+        <a:font script="Gujr" typeface="Shruti"/>
+        <a:font script="Khmr" typeface="DaunPenh"/>
+        <a:font script="Knda" typeface="Tunga"/>
+        <a:font script="Guru" typeface="Raavi"/>
+        <a:font script="Cans" typeface="Euphemia"/>
+        <a:font script="Cher" typeface="Plantagenet Cherokee"/>
+        <a:font script="Yiii" typeface="Microsoft Yi Baiti"/>
+        <a:font script="Tibt" typeface="Microsoft Himalaya"/>
+        <a:font script="Thaa" typeface="MV Boli"/>
+        <a:font script="Deva" typeface="Mangal"/>
+        <a:font script="Telu" typeface="Gautami"/>
+        <a:font script="Taml" typeface="Latha"/>
+        <a:font script="Syrc" typeface="Estrangelo Edessa"/>
+        <a:font script="Orya" typeface="Kalinga"/>
+        <a:font script="Mlym" typeface="Kartika"/>
+        <a:font script="Laoo" typeface="DokChampa"/>
+        <a:font script="Sinh" typeface="Iskoola Pota"/>
+        <a:font script="Mong" typeface="Mongolian Baiti"/>
+        <a:font script="Viet" typeface="Arial"/>
+        <a:font script="Uigh" typeface="Microsoft Uighur"/>
+        <a:font script="Geor" typeface="Sylfaen"/>
+      </a:minorFont>
+    </a:fontScheme>
+    <a:fmtScheme name="Office">
+      <a:fillStyleLst>
+        <a:solidFill>
+          <a:schemeClr val="phClr"/>
+        </a:solidFill>
+        <a:gradFill rotWithShape="1">
+          <a:gsLst>
+            <a:gs pos="0">
+              <a:schemeClr val="phClr">
+                <a:lumMod val="110000"/>
+                <a:satMod val="105000"/>
+                <a:tint val="67000"/>
+              </a:schemeClr>
+            </a:gs>
+            <a:gs pos="50000">
+              <a:schemeClr val="phClr">
+                <a:lumMod val="105000"/>
+                <a:satMod val="103000"/>
+                <a:tint val="73000"/>
+              </a:schemeClr>
+            </a:gs>
+            <a:gs pos="100000">
+              <a:schemeClr val="phClr">
+                <a:lumMod val="105000"/>
+                <a:satMod val="109000"/>
+                <a:tint val="81000"/>
+              </a:schemeClr>
+            </a:gs>
+          </a:gsLst>
+          <a:lin ang="5400000" scaled="0"/>
+        </a:gradFill>
+        <a:gradFill rotWithShape="1">
+          <a:gsLst>
+            <a:gs pos="0">
+              <a:schemeClr val="phClr">
+                <a:satMod val="103000"/>
+                <a:lumMod val="102000"/>
+                <a:tint val="94000"/>
+              </a:schemeClr>
+            </a:gs>
+            <a:gs pos="50000">
+              <a:schemeClr val="phClr">
+                <a:satMod val="110000"/>
+                <a:lumMod val="100000"/>
+                <a:shade val="100000"/>
+              </a:schemeClr>
+            </a:gs>
+            <a:gs pos="100000">
+              <a:schemeClr val="phClr">
+                <a:lumMod val="99000"/>
+                <a:satMod val="120000"/>
+                <a:shade val="78000"/>
+              </a:schemeClr>
+            </a:gs>
+          </a:gsLst>
+          <a:lin ang="5400000" scaled="0"/>
+        </a:gradFill>
+      </a:fillStyleLst>
+      <a:lnStyleLst>
+        <a:ln w="6350" cap="flat" cmpd="sng" algn="ctr">
+          <a:solidFill>
+            <a:schemeClr val="phClr"/>
+          </a:solidFill>
+          <a:prstDash val="solid"/>
+          <a:miter lim="800000"/>
+        </a:ln>
+        <a:ln w="12700" cap="flat" cmpd="sng" algn="ctr">
+          <a:solidFill>
+            <a:schemeClr val="phClr"/>
+          </a:solidFill>
+          <a:prstDash val="solid"/>
+          <a:miter lim="800000"/>
+        </a:ln>
+        <a:ln w="19050" cap="flat" cmpd="sng" algn="ctr">
+          <a:solidFill>
+            <a:schemeClr val="phClr"/>
+          </a:solidFill>
+          <a:prstDash val="solid"/>
+          <a:miter lim="800000"/>
+        </a:ln>
+      </a:lnStyleLst>
+      <a:effectStyleLst>
+        <a:effectStyle>
+          <a:effectLst/>
+        </a:effectStyle>
+        <a:effectStyle>
+          <a:effectLst/>
+        </a:effectStyle>
+        <a:effectStyle>
+          <a:effectLst>
+            <a:outerShdw blurRad="57150" dist="19050" dir="5400000" algn="ctr" rotWithShape="0">
+              <a:srgbClr val="000000">
+                <a:alpha val="63000"/>
+              </a:srgbClr>
+            </a:outerShdw>
+          </a:effectLst>
+        </a:effectStyle>
+      </a:effectStyleLst>
+      <a:bgFillStyleLst>
+        <a:solidFill>
+          <a:schemeClr val="phClr"/>
+        </a:solidFill>
+        <a:solidFill>
+          <a:schemeClr val="phClr">
+            <a:tint val="95000"/>
+            <a:satMod val="170000"/>
+          </a:schemeClr>
+        </a:solidFill>
+        <a:gradFill rotWithShape="1">
+          <a:gsLst>
+            <a:gs pos="0">
+              <a:schemeClr val="phClr">
+                <a:tint val="93000"/>
+                <a:satMod val="150000"/>
+                <a:shade val="98000"/>
+                <a:lumMod val="102000"/>
+              </a:schemeClr>
+            </a:gs>
+            <a:gs pos="50000">
+              <a:schemeClr val="phClr">
+                <a:tint val="98000"/>
+                <a:satMod val="130000"/>
+                <a:shade val="90000"/>
+                <a:lumMod val="103000"/>
+              </a:schemeClr>
+            </a:gs>
+            <a:gs pos="100000">
+              <a:schemeClr val="phClr">
+                <a:shade val="63000"/>
+                <a:satMod val="120000"/>
+              </a:schemeClr>
+            </a:gs>
+          </a:gsLst>
+          <a:lin ang="5400000" scaled="0"/>
+        </a:gradFill>
+      </a:bgFillStyleLst>
+    </a:fmtScheme>
+  </a:themeElements>
+  <a:objectDefaults/>
+  <a:extraClrSchemeLst/>
+  <a:extLst>
+    <a:ext uri="{05A4C25C-085E-4340-85A3-A5531E510DB2}">
+      <thm15:themeFamily xmlns:thm15="http://schemas.microsoft.com/office/thememl/2012/main" name="Office Theme" id="{62F939B6-93AF-4DB8-9C6B-D6C7DFDC589F}" vid="{4A3C46E8-61CC-4603-A589-7422A47A8E4A}"/>
+    </a:ext>
+  </a:extLst>
+</a:theme>
 </file>